--- a/img/logo/old/cs-logo.pptx
+++ b/img/logo/old/cs-logo.pptx
@@ -5,10 +5,12 @@
     <p:sldMasterId id="2147483648" r:id="rId1"/>
   </p:sldMasterIdLst>
   <p:sldIdLst>
-    <p:sldId id="257" r:id="rId2"/>
-    <p:sldId id="258" r:id="rId3"/>
-    <p:sldId id="259" r:id="rId4"/>
-    <p:sldId id="260" r:id="rId5"/>
+    <p:sldId id="268" r:id="rId2"/>
+    <p:sldId id="269" r:id="rId3"/>
+    <p:sldId id="257" r:id="rId4"/>
+    <p:sldId id="258" r:id="rId5"/>
+    <p:sldId id="259" r:id="rId6"/>
+    <p:sldId id="260" r:id="rId7"/>
   </p:sldIdLst>
   <p:sldSz cx="12192000" cy="6858000"/>
   <p:notesSz cx="6858000" cy="9144000"/>
@@ -110,6 +112,12 @@
   <p:extLst>
     <p:ext uri="{521415D9-36F7-43E2-AB2F-B90AF26B5E84}">
       <p14:sectionLst xmlns:p14="http://schemas.microsoft.com/office/powerpoint/2010/main">
+        <p14:section name="Tagline Montserrat" id="{865CC042-84ED-405C-8D03-C8606FFB4123}">
+          <p14:sldIdLst>
+            <p14:sldId id="268"/>
+            <p14:sldId id="269"/>
+          </p14:sldIdLst>
+        </p14:section>
         <p14:section name="Transparent" id="{C234C512-6C9D-4FB4-91F6-F0ACD0CE4B8A}">
           <p14:sldIdLst>
             <p14:sldId id="257"/>
@@ -278,7 +286,7 @@
           <a:p>
             <a:fld id="{4A55759D-5171-4D9B-BD8B-2A7F2F576AD9}" type="datetimeFigureOut">
               <a:rPr lang="en-US" smtClean="0"/>
-              <a:t>2019-11-14</a:t>
+              <a:t>2019-12-14</a:t>
             </a:fld>
             <a:endParaRPr lang="en-US"/>
           </a:p>
@@ -476,7 +484,7 @@
           <a:p>
             <a:fld id="{4A55759D-5171-4D9B-BD8B-2A7F2F576AD9}" type="datetimeFigureOut">
               <a:rPr lang="en-US" smtClean="0"/>
-              <a:t>2019-11-14</a:t>
+              <a:t>2019-12-14</a:t>
             </a:fld>
             <a:endParaRPr lang="en-US"/>
           </a:p>
@@ -684,7 +692,7 @@
           <a:p>
             <a:fld id="{4A55759D-5171-4D9B-BD8B-2A7F2F576AD9}" type="datetimeFigureOut">
               <a:rPr lang="en-US" smtClean="0"/>
-              <a:t>2019-11-14</a:t>
+              <a:t>2019-12-14</a:t>
             </a:fld>
             <a:endParaRPr lang="en-US"/>
           </a:p>
@@ -882,7 +890,7 @@
           <a:p>
             <a:fld id="{4A55759D-5171-4D9B-BD8B-2A7F2F576AD9}" type="datetimeFigureOut">
               <a:rPr lang="en-US" smtClean="0"/>
-              <a:t>2019-11-14</a:t>
+              <a:t>2019-12-14</a:t>
             </a:fld>
             <a:endParaRPr lang="en-US"/>
           </a:p>
@@ -1157,7 +1165,7 @@
           <a:p>
             <a:fld id="{4A55759D-5171-4D9B-BD8B-2A7F2F576AD9}" type="datetimeFigureOut">
               <a:rPr lang="en-US" smtClean="0"/>
-              <a:t>2019-11-14</a:t>
+              <a:t>2019-12-14</a:t>
             </a:fld>
             <a:endParaRPr lang="en-US"/>
           </a:p>
@@ -1422,7 +1430,7 @@
           <a:p>
             <a:fld id="{4A55759D-5171-4D9B-BD8B-2A7F2F576AD9}" type="datetimeFigureOut">
               <a:rPr lang="en-US" smtClean="0"/>
-              <a:t>2019-11-14</a:t>
+              <a:t>2019-12-14</a:t>
             </a:fld>
             <a:endParaRPr lang="en-US"/>
           </a:p>
@@ -1834,7 +1842,7 @@
           <a:p>
             <a:fld id="{4A55759D-5171-4D9B-BD8B-2A7F2F576AD9}" type="datetimeFigureOut">
               <a:rPr lang="en-US" smtClean="0"/>
-              <a:t>2019-11-14</a:t>
+              <a:t>2019-12-14</a:t>
             </a:fld>
             <a:endParaRPr lang="en-US"/>
           </a:p>
@@ -1975,7 +1983,7 @@
           <a:p>
             <a:fld id="{4A55759D-5171-4D9B-BD8B-2A7F2F576AD9}" type="datetimeFigureOut">
               <a:rPr lang="en-US" smtClean="0"/>
-              <a:t>2019-11-14</a:t>
+              <a:t>2019-12-14</a:t>
             </a:fld>
             <a:endParaRPr lang="en-US"/>
           </a:p>
@@ -2088,7 +2096,7 @@
           <a:p>
             <a:fld id="{4A55759D-5171-4D9B-BD8B-2A7F2F576AD9}" type="datetimeFigureOut">
               <a:rPr lang="en-US" smtClean="0"/>
-              <a:t>2019-11-14</a:t>
+              <a:t>2019-12-14</a:t>
             </a:fld>
             <a:endParaRPr lang="en-US"/>
           </a:p>
@@ -2399,7 +2407,7 @@
           <a:p>
             <a:fld id="{4A55759D-5171-4D9B-BD8B-2A7F2F576AD9}" type="datetimeFigureOut">
               <a:rPr lang="en-US" smtClean="0"/>
-              <a:t>2019-11-14</a:t>
+              <a:t>2019-12-14</a:t>
             </a:fld>
             <a:endParaRPr lang="en-US"/>
           </a:p>
@@ -2687,7 +2695,7 @@
           <a:p>
             <a:fld id="{4A55759D-5171-4D9B-BD8B-2A7F2F576AD9}" type="datetimeFigureOut">
               <a:rPr lang="en-US" smtClean="0"/>
-              <a:t>2019-11-14</a:t>
+              <a:t>2019-12-14</a:t>
             </a:fld>
             <a:endParaRPr lang="en-US"/>
           </a:p>
@@ -2928,7 +2936,7 @@
           <a:p>
             <a:fld id="{4A55759D-5171-4D9B-BD8B-2A7F2F576AD9}" type="datetimeFigureOut">
               <a:rPr lang="en-US" smtClean="0"/>
-              <a:t>2019-11-14</a:t>
+              <a:t>2019-12-14</a:t>
             </a:fld>
             <a:endParaRPr lang="en-US"/>
           </a:p>
@@ -3369,8 +3377,8 @@
         </p:nvSpPr>
         <p:spPr>
           <a:xfrm>
-            <a:off x="0" y="2321005"/>
-            <a:ext cx="12191999" cy="2646878"/>
+            <a:off x="1" y="4016368"/>
+            <a:ext cx="12106970" cy="1000274"/>
           </a:xfrm>
           <a:prstGeom prst="rect">
             <a:avLst/>
@@ -3385,13 +3393,52 @@
           <a:p>
             <a:pPr algn="ctr"/>
             <a:r>
-              <a:rPr lang="en-US" sz="16600" dirty="0">
+              <a:rPr lang="en-US" sz="5800" b="1" dirty="0">
+                <a:latin typeface="Montserrat Black" panose="00000A00000000000000" pitchFamily="2" charset="0"/>
+                <a:ea typeface="Verdana" panose="020B0604030504040204" pitchFamily="34" charset="0"/>
+              </a:rPr>
+              <a:t>Transparent Bitcoin Custody</a:t>
+            </a:r>
+          </a:p>
+        </p:txBody>
+      </p:sp>
+      <p:sp>
+        <p:nvSpPr>
+          <p:cNvPr id="3" name="TextBox 2">
+            <a:extLst>
+              <a:ext uri="{FF2B5EF4-FFF2-40B4-BE49-F238E27FC236}">
+                <a16:creationId xmlns:a16="http://schemas.microsoft.com/office/drawing/2014/main" id="{9DFD9671-A601-4FF3-9AC6-BA25FDBBDEA6}"/>
+              </a:ext>
+            </a:extLst>
+          </p:cNvPr>
+          <p:cNvSpPr txBox="1"/>
+          <p:nvPr/>
+        </p:nvSpPr>
+        <p:spPr>
+          <a:xfrm>
+            <a:off x="0" y="1340297"/>
+            <a:ext cx="12191999" cy="2862322"/>
+          </a:xfrm>
+          <a:prstGeom prst="rect">
+            <a:avLst/>
+          </a:prstGeom>
+          <a:noFill/>
+        </p:spPr>
+        <p:txBody>
+          <a:bodyPr wrap="square" rtlCol="0">
+            <a:spAutoFit/>
+          </a:bodyPr>
+          <a:lstStyle/>
+          <a:p>
+            <a:pPr algn="ctr"/>
+            <a:r>
+              <a:rPr lang="en-US" sz="18000" dirty="0">
                 <a:latin typeface="Montserrat Black" panose="00000A00000000000000" pitchFamily="2" charset="0"/>
               </a:rPr>
               <a:t>Check</a:t>
             </a:r>
             <a:r>
-              <a:rPr lang="en-US" sz="16600" dirty="0">
+              <a:rPr lang="en-US" sz="18000" dirty="0">
                 <a:solidFill>
                   <a:srgbClr val="0070C0"/>
                 </a:solidFill>
@@ -3399,14 +3446,14 @@
               </a:rPr>
               <a:t>Sig</a:t>
             </a:r>
-            <a:endParaRPr lang="en-US" sz="16600" dirty="0"/>
+            <a:endParaRPr lang="en-US" sz="18000" dirty="0"/>
           </a:p>
         </p:txBody>
       </p:sp>
     </p:spTree>
     <p:extLst>
       <p:ext uri="{BB962C8B-B14F-4D97-AF65-F5344CB8AC3E}">
-        <p14:creationId xmlns:p14="http://schemas.microsoft.com/office/powerpoint/2010/main" val="568025904"/>
+        <p14:creationId xmlns:p14="http://schemas.microsoft.com/office/powerpoint/2010/main" val="3163198974"/>
       </p:ext>
     </p:extLst>
   </p:cSld>
@@ -3457,6 +3504,221 @@
         </p:nvSpPr>
         <p:spPr>
           <a:xfrm>
+            <a:off x="1" y="4016368"/>
+            <a:ext cx="12106970" cy="1000274"/>
+          </a:xfrm>
+          <a:prstGeom prst="rect">
+            <a:avLst/>
+          </a:prstGeom>
+          <a:noFill/>
+        </p:spPr>
+        <p:txBody>
+          <a:bodyPr wrap="square" rtlCol="0">
+            <a:spAutoFit/>
+          </a:bodyPr>
+          <a:lstStyle/>
+          <a:p>
+            <a:pPr algn="ctr"/>
+            <a:r>
+              <a:rPr lang="en-US" sz="5800" b="1" i="1" dirty="0">
+                <a:latin typeface="Montserrat Black" panose="00000A00000000000000" pitchFamily="2" charset="0"/>
+                <a:ea typeface="Verdana" panose="020B0604030504040204" pitchFamily="34" charset="0"/>
+              </a:rPr>
+              <a:t>Transparent Bitcoin Custody</a:t>
+            </a:r>
+          </a:p>
+        </p:txBody>
+      </p:sp>
+      <p:sp>
+        <p:nvSpPr>
+          <p:cNvPr id="3" name="TextBox 2">
+            <a:extLst>
+              <a:ext uri="{FF2B5EF4-FFF2-40B4-BE49-F238E27FC236}">
+                <a16:creationId xmlns:a16="http://schemas.microsoft.com/office/drawing/2014/main" id="{9DFD9671-A601-4FF3-9AC6-BA25FDBBDEA6}"/>
+              </a:ext>
+            </a:extLst>
+          </p:cNvPr>
+          <p:cNvSpPr txBox="1"/>
+          <p:nvPr/>
+        </p:nvSpPr>
+        <p:spPr>
+          <a:xfrm>
+            <a:off x="0" y="1340297"/>
+            <a:ext cx="12191999" cy="2862322"/>
+          </a:xfrm>
+          <a:prstGeom prst="rect">
+            <a:avLst/>
+          </a:prstGeom>
+          <a:noFill/>
+        </p:spPr>
+        <p:txBody>
+          <a:bodyPr wrap="square" rtlCol="0">
+            <a:spAutoFit/>
+          </a:bodyPr>
+          <a:lstStyle/>
+          <a:p>
+            <a:pPr algn="ctr"/>
+            <a:r>
+              <a:rPr lang="en-US" sz="18000" dirty="0">
+                <a:latin typeface="Montserrat Black" panose="00000A00000000000000" pitchFamily="2" charset="0"/>
+              </a:rPr>
+              <a:t>Check</a:t>
+            </a:r>
+            <a:r>
+              <a:rPr lang="en-US" sz="18000" dirty="0">
+                <a:solidFill>
+                  <a:srgbClr val="0070C0"/>
+                </a:solidFill>
+                <a:latin typeface="Montserrat Black" panose="00000A00000000000000" pitchFamily="2" charset="0"/>
+              </a:rPr>
+              <a:t>Sig</a:t>
+            </a:r>
+            <a:endParaRPr lang="en-US" sz="18000" dirty="0"/>
+          </a:p>
+        </p:txBody>
+      </p:sp>
+    </p:spTree>
+    <p:extLst>
+      <p:ext uri="{BB962C8B-B14F-4D97-AF65-F5344CB8AC3E}">
+        <p14:creationId xmlns:p14="http://schemas.microsoft.com/office/powerpoint/2010/main" val="3010198939"/>
+      </p:ext>
+    </p:extLst>
+  </p:cSld>
+  <p:clrMapOvr>
+    <a:masterClrMapping/>
+  </p:clrMapOvr>
+</p:sld>
+</file>
+
+<file path=ppt/slides/slide3.xml><?xml version="1.0" encoding="utf-8"?>
+<p:sld xmlns:a="http://schemas.openxmlformats.org/drawingml/2006/main" xmlns:r="http://schemas.openxmlformats.org/officeDocument/2006/relationships" xmlns:p="http://schemas.openxmlformats.org/presentationml/2006/main">
+  <p:cSld>
+    <p:bg>
+      <p:bgPr>
+        <a:solidFill>
+          <a:schemeClr val="bg1">
+            <a:alpha val="0"/>
+          </a:schemeClr>
+        </a:solidFill>
+        <a:effectLst/>
+      </p:bgPr>
+    </p:bg>
+    <p:spTree>
+      <p:nvGrpSpPr>
+        <p:cNvPr id="1" name=""/>
+        <p:cNvGrpSpPr/>
+        <p:nvPr/>
+      </p:nvGrpSpPr>
+      <p:grpSpPr>
+        <a:xfrm>
+          <a:off x="0" y="0"/>
+          <a:ext cx="0" cy="0"/>
+          <a:chOff x="0" y="0"/>
+          <a:chExt cx="0" cy="0"/>
+        </a:xfrm>
+      </p:grpSpPr>
+      <p:sp>
+        <p:nvSpPr>
+          <p:cNvPr id="2" name="TextBox 1">
+            <a:extLst>
+              <a:ext uri="{FF2B5EF4-FFF2-40B4-BE49-F238E27FC236}">
+                <a16:creationId xmlns:a16="http://schemas.microsoft.com/office/drawing/2014/main" id="{1AC4D80A-3B7B-4E95-B614-B0E7B519F8FF}"/>
+              </a:ext>
+            </a:extLst>
+          </p:cNvPr>
+          <p:cNvSpPr txBox="1"/>
+          <p:nvPr/>
+        </p:nvSpPr>
+        <p:spPr>
+          <a:xfrm>
+            <a:off x="0" y="2321005"/>
+            <a:ext cx="12191999" cy="2646878"/>
+          </a:xfrm>
+          <a:prstGeom prst="rect">
+            <a:avLst/>
+          </a:prstGeom>
+          <a:noFill/>
+        </p:spPr>
+        <p:txBody>
+          <a:bodyPr wrap="square" rtlCol="0">
+            <a:spAutoFit/>
+          </a:bodyPr>
+          <a:lstStyle/>
+          <a:p>
+            <a:pPr algn="ctr"/>
+            <a:r>
+              <a:rPr lang="en-US" sz="16600" dirty="0">
+                <a:latin typeface="Montserrat Black" panose="00000A00000000000000" pitchFamily="2" charset="0"/>
+              </a:rPr>
+              <a:t>Check</a:t>
+            </a:r>
+            <a:r>
+              <a:rPr lang="en-US" sz="16600" dirty="0">
+                <a:solidFill>
+                  <a:srgbClr val="0070C0"/>
+                </a:solidFill>
+                <a:latin typeface="Montserrat Black" panose="00000A00000000000000" pitchFamily="2" charset="0"/>
+              </a:rPr>
+              <a:t>Sig</a:t>
+            </a:r>
+            <a:endParaRPr lang="en-US" sz="16600" dirty="0"/>
+          </a:p>
+        </p:txBody>
+      </p:sp>
+    </p:spTree>
+    <p:extLst>
+      <p:ext uri="{BB962C8B-B14F-4D97-AF65-F5344CB8AC3E}">
+        <p14:creationId xmlns:p14="http://schemas.microsoft.com/office/powerpoint/2010/main" val="568025904"/>
+      </p:ext>
+    </p:extLst>
+  </p:cSld>
+  <p:clrMapOvr>
+    <a:masterClrMapping/>
+  </p:clrMapOvr>
+</p:sld>
+</file>
+
+<file path=ppt/slides/slide4.xml><?xml version="1.0" encoding="utf-8"?>
+<p:sld xmlns:a="http://schemas.openxmlformats.org/drawingml/2006/main" xmlns:r="http://schemas.openxmlformats.org/officeDocument/2006/relationships" xmlns:p="http://schemas.openxmlformats.org/presentationml/2006/main">
+  <p:cSld>
+    <p:bg>
+      <p:bgPr>
+        <a:solidFill>
+          <a:schemeClr val="bg1">
+            <a:alpha val="0"/>
+          </a:schemeClr>
+        </a:solidFill>
+        <a:effectLst/>
+      </p:bgPr>
+    </p:bg>
+    <p:spTree>
+      <p:nvGrpSpPr>
+        <p:cNvPr id="1" name=""/>
+        <p:cNvGrpSpPr/>
+        <p:nvPr/>
+      </p:nvGrpSpPr>
+      <p:grpSpPr>
+        <a:xfrm>
+          <a:off x="0" y="0"/>
+          <a:ext cx="0" cy="0"/>
+          <a:chOff x="0" y="0"/>
+          <a:chExt cx="0" cy="0"/>
+        </a:xfrm>
+      </p:grpSpPr>
+      <p:sp>
+        <p:nvSpPr>
+          <p:cNvPr id="2" name="TextBox 1">
+            <a:extLst>
+              <a:ext uri="{FF2B5EF4-FFF2-40B4-BE49-F238E27FC236}">
+                <a16:creationId xmlns:a16="http://schemas.microsoft.com/office/drawing/2014/main" id="{1AC4D80A-3B7B-4E95-B614-B0E7B519F8FF}"/>
+              </a:ext>
+            </a:extLst>
+          </p:cNvPr>
+          <p:cNvSpPr txBox="1"/>
+          <p:nvPr/>
+        </p:nvSpPr>
+        <p:spPr>
+          <a:xfrm>
             <a:off x="0" y="320457"/>
             <a:ext cx="12191999" cy="6217087"/>
           </a:xfrm>
@@ -3507,7 +3769,7 @@
 </p:sld>
 </file>
 
-<file path=ppt/slides/slide3.xml><?xml version="1.0" encoding="utf-8"?>
+<file path=ppt/slides/slide5.xml><?xml version="1.0" encoding="utf-8"?>
 <p:sld xmlns:a="http://schemas.openxmlformats.org/drawingml/2006/main" xmlns:r="http://schemas.openxmlformats.org/officeDocument/2006/relationships" xmlns:p="http://schemas.openxmlformats.org/presentationml/2006/main">
   <p:cSld>
     <p:spTree>
@@ -3585,7 +3847,7 @@
 </p:sld>
 </file>
 
-<file path=ppt/slides/slide4.xml><?xml version="1.0" encoding="utf-8"?>
+<file path=ppt/slides/slide6.xml><?xml version="1.0" encoding="utf-8"?>
 <p:sld xmlns:a="http://schemas.openxmlformats.org/drawingml/2006/main" xmlns:r="http://schemas.openxmlformats.org/officeDocument/2006/relationships" xmlns:p="http://schemas.openxmlformats.org/presentationml/2006/main">
   <p:cSld>
     <p:spTree>
